--- a/slides/Week7-TP.pptx
+++ b/slides/Week7-TP.pptx
@@ -221,7 +221,7 @@
           <a:p>
             <a:fld id="{6B94F317-20CF-8743-BD52-36F017CA8E2A}" type="datetimeFigureOut">
               <a:rPr lang="en-US" smtClean="0"/>
-              <a:t>2/20/23</a:t>
+              <a:t>2/21/23</a:t>
             </a:fld>
             <a:endParaRPr lang="en-US"/>
           </a:p>
@@ -1646,7 +1646,7 @@
           <a:p>
             <a:fld id="{C3F937B1-9855-5942-833C-273B905F516E}" type="datetimeFigureOut">
               <a:rPr lang="en-US" smtClean="0"/>
-              <a:t>2/20/23</a:t>
+              <a:t>2/21/23</a:t>
             </a:fld>
             <a:endParaRPr lang="en-US"/>
           </a:p>
@@ -1844,7 +1844,7 @@
           <a:p>
             <a:fld id="{C3F937B1-9855-5942-833C-273B905F516E}" type="datetimeFigureOut">
               <a:rPr lang="en-US" smtClean="0"/>
-              <a:t>2/20/23</a:t>
+              <a:t>2/21/23</a:t>
             </a:fld>
             <a:endParaRPr lang="en-US"/>
           </a:p>
@@ -2052,7 +2052,7 @@
           <a:p>
             <a:fld id="{C3F937B1-9855-5942-833C-273B905F516E}" type="datetimeFigureOut">
               <a:rPr lang="en-US" smtClean="0"/>
-              <a:t>2/20/23</a:t>
+              <a:t>2/21/23</a:t>
             </a:fld>
             <a:endParaRPr lang="en-US"/>
           </a:p>
@@ -2250,7 +2250,7 @@
           <a:p>
             <a:fld id="{C3F937B1-9855-5942-833C-273B905F516E}" type="datetimeFigureOut">
               <a:rPr lang="en-US" smtClean="0"/>
-              <a:t>2/20/23</a:t>
+              <a:t>2/21/23</a:t>
             </a:fld>
             <a:endParaRPr lang="en-US"/>
           </a:p>
@@ -2525,7 +2525,7 @@
           <a:p>
             <a:fld id="{C3F937B1-9855-5942-833C-273B905F516E}" type="datetimeFigureOut">
               <a:rPr lang="en-US" smtClean="0"/>
-              <a:t>2/20/23</a:t>
+              <a:t>2/21/23</a:t>
             </a:fld>
             <a:endParaRPr lang="en-US"/>
           </a:p>
@@ -2790,7 +2790,7 @@
           <a:p>
             <a:fld id="{C3F937B1-9855-5942-833C-273B905F516E}" type="datetimeFigureOut">
               <a:rPr lang="en-US" smtClean="0"/>
-              <a:t>2/20/23</a:t>
+              <a:t>2/21/23</a:t>
             </a:fld>
             <a:endParaRPr lang="en-US"/>
           </a:p>
@@ -3202,7 +3202,7 @@
           <a:p>
             <a:fld id="{C3F937B1-9855-5942-833C-273B905F516E}" type="datetimeFigureOut">
               <a:rPr lang="en-US" smtClean="0"/>
-              <a:t>2/20/23</a:t>
+              <a:t>2/21/23</a:t>
             </a:fld>
             <a:endParaRPr lang="en-US"/>
           </a:p>
@@ -3343,7 +3343,7 @@
           <a:p>
             <a:fld id="{C3F937B1-9855-5942-833C-273B905F516E}" type="datetimeFigureOut">
               <a:rPr lang="en-US" smtClean="0"/>
-              <a:t>2/20/23</a:t>
+              <a:t>2/21/23</a:t>
             </a:fld>
             <a:endParaRPr lang="en-US"/>
           </a:p>
@@ -3456,7 +3456,7 @@
           <a:p>
             <a:fld id="{C3F937B1-9855-5942-833C-273B905F516E}" type="datetimeFigureOut">
               <a:rPr lang="en-US" smtClean="0"/>
-              <a:t>2/20/23</a:t>
+              <a:t>2/21/23</a:t>
             </a:fld>
             <a:endParaRPr lang="en-US"/>
           </a:p>
@@ -3767,7 +3767,7 @@
           <a:p>
             <a:fld id="{C3F937B1-9855-5942-833C-273B905F516E}" type="datetimeFigureOut">
               <a:rPr lang="en-US" smtClean="0"/>
-              <a:t>2/20/23</a:t>
+              <a:t>2/21/23</a:t>
             </a:fld>
             <a:endParaRPr lang="en-US"/>
           </a:p>
@@ -4055,7 +4055,7 @@
           <a:p>
             <a:fld id="{C3F937B1-9855-5942-833C-273B905F516E}" type="datetimeFigureOut">
               <a:rPr lang="en-US" smtClean="0"/>
-              <a:t>2/20/23</a:t>
+              <a:t>2/21/23</a:t>
             </a:fld>
             <a:endParaRPr lang="en-US"/>
           </a:p>
@@ -4296,7 +4296,7 @@
           <a:p>
             <a:fld id="{C3F937B1-9855-5942-833C-273B905F516E}" type="datetimeFigureOut">
               <a:rPr lang="en-US" smtClean="0"/>
-              <a:t>2/20/23</a:t>
+              <a:t>2/21/23</a:t>
             </a:fld>
             <a:endParaRPr lang="en-US"/>
           </a:p>
@@ -7542,7 +7542,7 @@
         </p:spPr>
         <p:txBody>
           <a:bodyPr>
-            <a:normAutofit/>
+            <a:normAutofit lnSpcReduction="10000"/>
           </a:bodyPr>
           <a:lstStyle/>
           <a:p>
@@ -7582,7 +7582,7 @@
           <a:p>
             <a:r>
               <a:rPr lang="en-US" dirty="0"/>
-              <a:t>April 18, 20, and 25 – Presentations (aim for 7 min presentation + 2 min Q&amp;A)</a:t>
+              <a:t>April 18, 20, and 25 – Presentations (aim for 7 min presentation + 2 min Q&amp;A; collaborative projects can go up to 10 min presentation + 3min Q&amp;A)</a:t>
             </a:r>
           </a:p>
           <a:p>
@@ -8769,12 +8769,36 @@
               <a:buAutoNum type="alphaUcPeriod"/>
             </a:pPr>
             <a:r>
+              <a:rPr lang="en-US">
+                <a:effectLst/>
+                <a:latin typeface="Calibri" panose="020F0502020204030204" pitchFamily="34" charset="0"/>
+                <a:cs typeface="Calibri" panose="020F0502020204030204" pitchFamily="34" charset="0"/>
+              </a:rPr>
+              <a:t>The samples </a:t>
+            </a:r>
+            <a:r>
               <a:rPr lang="en-US" dirty="0">
                 <a:effectLst/>
                 <a:latin typeface="Calibri" panose="020F0502020204030204" pitchFamily="34" charset="0"/>
                 <a:cs typeface="Calibri" panose="020F0502020204030204" pitchFamily="34" charset="0"/>
               </a:rPr>
-              <a:t>The sample means of the dataset forms a Gaussian distribution.</a:t>
+              <a:t>of the </a:t>
+            </a:r>
+            <a:r>
+              <a:rPr lang="en-US">
+                <a:effectLst/>
+                <a:latin typeface="Calibri" panose="020F0502020204030204" pitchFamily="34" charset="0"/>
+                <a:cs typeface="Calibri" panose="020F0502020204030204" pitchFamily="34" charset="0"/>
+              </a:rPr>
+              <a:t>dataset form </a:t>
+            </a:r>
+            <a:r>
+              <a:rPr lang="en-US" dirty="0">
+                <a:effectLst/>
+                <a:latin typeface="Calibri" panose="020F0502020204030204" pitchFamily="34" charset="0"/>
+                <a:cs typeface="Calibri" panose="020F0502020204030204" pitchFamily="34" charset="0"/>
+              </a:rPr>
+              <a:t>a Gaussian distribution.</a:t>
             </a:r>
           </a:p>
           <a:p>

--- a/slides/Week7-TP.pptx
+++ b/slides/Week7-TP.pptx
@@ -5,7 +5,7 @@
     <p:sldMasterId id="2147483648" r:id="rId1"/>
   </p:sldMasterIdLst>
   <p:notesMasterIdLst>
-    <p:notesMasterId r:id="rId27"/>
+    <p:notesMasterId r:id="rId26"/>
   </p:notesMasterIdLst>
   <p:sldIdLst>
     <p:sldId id="256" r:id="rId2"/>
@@ -17,22 +17,21 @@
     <p:sldId id="386" r:id="rId8"/>
     <p:sldId id="385" r:id="rId9"/>
     <p:sldId id="365" r:id="rId10"/>
-    <p:sldId id="374" r:id="rId11"/>
-    <p:sldId id="367" r:id="rId12"/>
-    <p:sldId id="370" r:id="rId13"/>
-    <p:sldId id="371" r:id="rId14"/>
-    <p:sldId id="376" r:id="rId15"/>
-    <p:sldId id="375" r:id="rId16"/>
-    <p:sldId id="383" r:id="rId17"/>
-    <p:sldId id="377" r:id="rId18"/>
-    <p:sldId id="373" r:id="rId19"/>
-    <p:sldId id="378" r:id="rId20"/>
-    <p:sldId id="380" r:id="rId21"/>
-    <p:sldId id="381" r:id="rId22"/>
-    <p:sldId id="382" r:id="rId23"/>
-    <p:sldId id="387" r:id="rId24"/>
-    <p:sldId id="388" r:id="rId25"/>
-    <p:sldId id="389" r:id="rId26"/>
+    <p:sldId id="367" r:id="rId11"/>
+    <p:sldId id="370" r:id="rId12"/>
+    <p:sldId id="371" r:id="rId13"/>
+    <p:sldId id="376" r:id="rId14"/>
+    <p:sldId id="375" r:id="rId15"/>
+    <p:sldId id="383" r:id="rId16"/>
+    <p:sldId id="377" r:id="rId17"/>
+    <p:sldId id="373" r:id="rId18"/>
+    <p:sldId id="378" r:id="rId19"/>
+    <p:sldId id="380" r:id="rId20"/>
+    <p:sldId id="381" r:id="rId21"/>
+    <p:sldId id="382" r:id="rId22"/>
+    <p:sldId id="387" r:id="rId23"/>
+    <p:sldId id="388" r:id="rId24"/>
+    <p:sldId id="389" r:id="rId25"/>
   </p:sldIdLst>
   <p:sldSz cx="12192000" cy="6858000"/>
   <p:notesSz cx="6858000" cy="9144000"/>
@@ -637,7 +636,7 @@
           <a:p>
             <a:fld id="{4902200F-F6F0-E747-8CCD-9F1EA18F3C71}" type="slidenum">
               <a:rPr lang="en-US" smtClean="0"/>
-              <a:t>23</a:t>
+              <a:t>22</a:t>
             </a:fld>
             <a:endParaRPr lang="en-US"/>
           </a:p>
@@ -721,7 +720,7 @@
           <a:p>
             <a:fld id="{4902200F-F6F0-E747-8CCD-9F1EA18F3C71}" type="slidenum">
               <a:rPr lang="en-US" smtClean="0"/>
-              <a:t>24</a:t>
+              <a:t>23</a:t>
             </a:fld>
             <a:endParaRPr lang="en-US"/>
           </a:p>
@@ -805,7 +804,7 @@
           <a:p>
             <a:fld id="{4902200F-F6F0-E747-8CCD-9F1EA18F3C71}" type="slidenum">
               <a:rPr lang="en-US" smtClean="0"/>
-              <a:t>25</a:t>
+              <a:t>24</a:t>
             </a:fld>
             <a:endParaRPr lang="en-US"/>
           </a:p>
@@ -1228,7 +1227,7 @@
           <a:p>
             <a:fld id="{4902200F-F6F0-E747-8CCD-9F1EA18F3C71}" type="slidenum">
               <a:rPr lang="en-US" smtClean="0"/>
-              <a:t>18</a:t>
+              <a:t>17</a:t>
             </a:fld>
             <a:endParaRPr lang="en-US"/>
           </a:p>
@@ -1312,7 +1311,7 @@
           <a:p>
             <a:fld id="{4902200F-F6F0-E747-8CCD-9F1EA18F3C71}" type="slidenum">
               <a:rPr lang="en-US" smtClean="0"/>
-              <a:t>20</a:t>
+              <a:t>19</a:t>
             </a:fld>
             <a:endParaRPr lang="en-US"/>
           </a:p>
@@ -1396,7 +1395,7 @@
           <a:p>
             <a:fld id="{4902200F-F6F0-E747-8CCD-9F1EA18F3C71}" type="slidenum">
               <a:rPr lang="en-US" smtClean="0"/>
-              <a:t>21</a:t>
+              <a:t>20</a:t>
             </a:fld>
             <a:endParaRPr lang="en-US"/>
           </a:p>
@@ -1480,7 +1479,7 @@
           <a:p>
             <a:fld id="{4902200F-F6F0-E747-8CCD-9F1EA18F3C71}" type="slidenum">
               <a:rPr lang="en-US" smtClean="0"/>
-              <a:t>22</a:t>
+              <a:t>21</a:t>
             </a:fld>
             <a:endParaRPr lang="en-US"/>
           </a:p>
@@ -4917,7 +4916,7 @@
           <a:p>
             <a:r>
               <a:rPr lang="en-US" dirty="0"/>
-              <a:t>The t-value from the previous question could not reject the null hypothesis with 95% confidence level. Assuming that the mean productivity response remains the same, how many more additional deposition events will be required to increase the t-value to 1.9?</a:t>
+              <a:t>An online survey shows that the economy-class air ticket from Atlanta to Boston randomly fluctuated following the Gaussian distribution with the mean of $400 and the standard deviation of $50. Approximately what’s the probability for finding a deal below $300??</a:t>
             </a:r>
           </a:p>
           <a:p>
@@ -4927,7 +4926,7 @@
             </a:pPr>
             <a:r>
               <a:rPr lang="en-US" dirty="0"/>
-              <a:t>6</a:t>
+              <a:t>32%</a:t>
             </a:r>
           </a:p>
           <a:p>
@@ -4937,7 +4936,7 @@
             </a:pPr>
             <a:r>
               <a:rPr lang="en-US" dirty="0"/>
-              <a:t>10</a:t>
+              <a:t>16%</a:t>
             </a:r>
           </a:p>
           <a:p>
@@ -4947,7 +4946,7 @@
             </a:pPr>
             <a:r>
               <a:rPr lang="en-US" dirty="0"/>
-              <a:t>16</a:t>
+              <a:t>2.5%</a:t>
             </a:r>
           </a:p>
           <a:p>
@@ -4957,7 +4956,7 @@
             </a:pPr>
             <a:r>
               <a:rPr lang="en-US" dirty="0"/>
-              <a:t>20</a:t>
+              <a:t>5%</a:t>
             </a:r>
           </a:p>
         </p:txBody>
@@ -4965,7 +4964,7 @@
     </p:spTree>
     <p:extLst>
       <p:ext uri="{BB962C8B-B14F-4D97-AF65-F5344CB8AC3E}">
-        <p14:creationId xmlns:p14="http://schemas.microsoft.com/office/powerpoint/2010/main" val="2108353465"/>
+        <p14:creationId xmlns:p14="http://schemas.microsoft.com/office/powerpoint/2010/main" val="3291114651"/>
       </p:ext>
     </p:extLst>
   </p:cSld>
@@ -5010,8 +5009,8 @@
         </p:nvSpPr>
         <p:spPr>
           <a:xfrm>
-            <a:off x="1114699" y="365125"/>
-            <a:ext cx="10239101" cy="1325563"/>
+            <a:off x="894080" y="365125"/>
+            <a:ext cx="10459720" cy="1325563"/>
           </a:xfrm>
         </p:spPr>
         <p:txBody>
@@ -5043,8 +5042,8 @@
         </p:nvSpPr>
         <p:spPr>
           <a:xfrm>
-            <a:off x="1114699" y="1825625"/>
-            <a:ext cx="10358616" cy="4351339"/>
+            <a:off x="894081" y="1825625"/>
+            <a:ext cx="10579233" cy="4351339"/>
           </a:xfrm>
         </p:spPr>
         <p:txBody>
@@ -5055,47 +5054,47 @@
           <a:p>
             <a:r>
               <a:rPr lang="en-US" dirty="0"/>
-              <a:t>An online survey shows that the economy-class air ticket from Atlanta to Boston randomly fluctuated following the Gaussian distribution with the mean of $400 and the standard deviation of $50. Approximately what’s the probability for finding a deal below $300??</a:t>
-            </a:r>
-          </a:p>
-          <a:p>
-            <a:pPr marL="514350" indent="-514350">
+              <a:t>You are investigating the relationship between humidity and pollen count and found a moderate, negative correlation. Which statement is NOT true? </a:t>
+            </a:r>
+          </a:p>
+          <a:p>
+            <a:pPr marL="609585" indent="-609585">
               <a:buFont typeface="+mj-lt"/>
               <a:buAutoNum type="alphaUcPeriod"/>
             </a:pPr>
             <a:r>
               <a:rPr lang="en-US" dirty="0"/>
-              <a:t>32%</a:t>
-            </a:r>
-          </a:p>
-          <a:p>
-            <a:pPr marL="514350" indent="-514350">
+              <a:t>On average, less pollen is observed on high humidity days. </a:t>
+            </a:r>
+          </a:p>
+          <a:p>
+            <a:pPr marL="609585" indent="-609585">
               <a:buFont typeface="+mj-lt"/>
               <a:buAutoNum type="alphaUcPeriod"/>
             </a:pPr>
             <a:r>
               <a:rPr lang="en-US" dirty="0"/>
-              <a:t>16%</a:t>
-            </a:r>
-          </a:p>
-          <a:p>
-            <a:pPr marL="514350" indent="-514350">
+              <a:t>On some high humidity days, more pollen is found. </a:t>
+            </a:r>
+          </a:p>
+          <a:p>
+            <a:pPr marL="609585" indent="-609585">
               <a:buFont typeface="+mj-lt"/>
               <a:buAutoNum type="alphaUcPeriod"/>
             </a:pPr>
             <a:r>
               <a:rPr lang="en-US" dirty="0"/>
-              <a:t>2.5%</a:t>
-            </a:r>
-          </a:p>
-          <a:p>
-            <a:pPr marL="514350" indent="-514350">
+              <a:t>Correlation does not mean causal relationship. </a:t>
+            </a:r>
+          </a:p>
+          <a:p>
+            <a:pPr marL="609585" indent="-609585">
               <a:buFont typeface="+mj-lt"/>
               <a:buAutoNum type="alphaUcPeriod"/>
             </a:pPr>
             <a:r>
               <a:rPr lang="en-US" dirty="0"/>
-              <a:t>5%</a:t>
+              <a:t>Pollen level is always high on low humidity days. </a:t>
             </a:r>
           </a:p>
         </p:txBody>
@@ -5103,7 +5102,7 @@
     </p:spTree>
     <p:extLst>
       <p:ext uri="{BB962C8B-B14F-4D97-AF65-F5344CB8AC3E}">
-        <p14:creationId xmlns:p14="http://schemas.microsoft.com/office/powerpoint/2010/main" val="3291114651"/>
+        <p14:creationId xmlns:p14="http://schemas.microsoft.com/office/powerpoint/2010/main" val="2297185729"/>
       </p:ext>
     </p:extLst>
   </p:cSld>
@@ -5148,8 +5147,8 @@
         </p:nvSpPr>
         <p:spPr>
           <a:xfrm>
-            <a:off x="894080" y="365125"/>
-            <a:ext cx="10459720" cy="1325563"/>
+            <a:off x="1021805" y="365125"/>
+            <a:ext cx="10331995" cy="1325563"/>
           </a:xfrm>
         </p:spPr>
         <p:txBody>
@@ -5181,8 +5180,8 @@
         </p:nvSpPr>
         <p:spPr>
           <a:xfrm>
-            <a:off x="894081" y="1825625"/>
-            <a:ext cx="10579233" cy="4351339"/>
+            <a:off x="1242424" y="1825625"/>
+            <a:ext cx="10230891" cy="4351339"/>
           </a:xfrm>
         </p:spPr>
         <p:txBody>
@@ -5193,7 +5192,15 @@
           <a:p>
             <a:r>
               <a:rPr lang="en-US" dirty="0"/>
-              <a:t>You are investigating the relationship between humidity and pollen count and found a moderate, negative correlation. Which statement is NOT true? </a:t>
+              <a:t>You performed a linear regression analysis and your data showed R</a:t>
+            </a:r>
+            <a:r>
+              <a:rPr lang="en-US" baseline="30000" dirty="0"/>
+              <a:t>2</a:t>
+            </a:r>
+            <a:r>
+              <a:rPr lang="en-US" dirty="0"/>
+              <a:t> value of 0.6. Which statement is true? </a:t>
             </a:r>
           </a:p>
           <a:p>
@@ -5203,7 +5210,7 @@
             </a:pPr>
             <a:r>
               <a:rPr lang="en-US" dirty="0"/>
-              <a:t>On average, less pollen is observed on high humidity days. </a:t>
+              <a:t>There is a positive relationship between the two variables. </a:t>
             </a:r>
           </a:p>
           <a:p>
@@ -5213,7 +5220,7 @@
             </a:pPr>
             <a:r>
               <a:rPr lang="en-US" dirty="0"/>
-              <a:t>On some high humidity days, more pollen is found. </a:t>
+              <a:t>36% of variance is explained by the linear relationship. </a:t>
             </a:r>
           </a:p>
           <a:p>
@@ -5223,7 +5230,7 @@
             </a:pPr>
             <a:r>
               <a:rPr lang="en-US" dirty="0"/>
-              <a:t>Correlation does not mean causal relationship. </a:t>
+              <a:t>60% of variance is explained by the linear relationship. </a:t>
             </a:r>
           </a:p>
           <a:p>
@@ -5233,7 +5240,7 @@
             </a:pPr>
             <a:r>
               <a:rPr lang="en-US" dirty="0"/>
-              <a:t>Pollen level is always high on low humidity days. </a:t>
+              <a:t>Correlation coefficient is 0.6. </a:t>
             </a:r>
           </a:p>
         </p:txBody>
@@ -5241,7 +5248,7 @@
     </p:spTree>
     <p:extLst>
       <p:ext uri="{BB962C8B-B14F-4D97-AF65-F5344CB8AC3E}">
-        <p14:creationId xmlns:p14="http://schemas.microsoft.com/office/powerpoint/2010/main" val="2297185729"/>
+        <p14:creationId xmlns:p14="http://schemas.microsoft.com/office/powerpoint/2010/main" val="3517863337"/>
       </p:ext>
     </p:extLst>
   </p:cSld>
@@ -5331,15 +5338,7 @@
           <a:p>
             <a:r>
               <a:rPr lang="en-US" dirty="0"/>
-              <a:t>You performed a linear regression analysis and your data showed R</a:t>
-            </a:r>
-            <a:r>
-              <a:rPr lang="en-US" baseline="30000" dirty="0"/>
-              <a:t>2</a:t>
-            </a:r>
-            <a:r>
-              <a:rPr lang="en-US" dirty="0"/>
-              <a:t> value of 0.6. Which statement is true? </a:t>
+              <a:t>True or False: Due to the difficulty of obtaining a large sample, I decided to perform hypothesis testing at a lower, 90% confidence level. This makes my conclusion relatively prone to making Type I errors. </a:t>
             </a:r>
           </a:p>
           <a:p>
@@ -5349,7 +5348,7 @@
             </a:pPr>
             <a:r>
               <a:rPr lang="en-US" dirty="0"/>
-              <a:t>There is a positive relationship between the two variables. </a:t>
+              <a:t>True</a:t>
             </a:r>
           </a:p>
           <a:p>
@@ -5359,27 +5358,7 @@
             </a:pPr>
             <a:r>
               <a:rPr lang="en-US" dirty="0"/>
-              <a:t>36% of variance is explained by the linear relationship. </a:t>
-            </a:r>
-          </a:p>
-          <a:p>
-            <a:pPr marL="609585" indent="-609585">
-              <a:buFont typeface="+mj-lt"/>
-              <a:buAutoNum type="alphaUcPeriod"/>
-            </a:pPr>
-            <a:r>
-              <a:rPr lang="en-US" dirty="0"/>
-              <a:t>60% of variance is explained by the linear relationship. </a:t>
-            </a:r>
-          </a:p>
-          <a:p>
-            <a:pPr marL="609585" indent="-609585">
-              <a:buFont typeface="+mj-lt"/>
-              <a:buAutoNum type="alphaUcPeriod"/>
-            </a:pPr>
-            <a:r>
-              <a:rPr lang="en-US" dirty="0"/>
-              <a:t>Correlation does not mean causal relationship. </a:t>
+              <a:t>False</a:t>
             </a:r>
           </a:p>
         </p:txBody>
@@ -5387,7 +5366,7 @@
     </p:spTree>
     <p:extLst>
       <p:ext uri="{BB962C8B-B14F-4D97-AF65-F5344CB8AC3E}">
-        <p14:creationId xmlns:p14="http://schemas.microsoft.com/office/powerpoint/2010/main" val="3517863337"/>
+        <p14:creationId xmlns:p14="http://schemas.microsoft.com/office/powerpoint/2010/main" val="3887704168"/>
       </p:ext>
     </p:extLst>
   </p:cSld>
@@ -5477,7 +5456,7 @@
           <a:p>
             <a:r>
               <a:rPr lang="en-US" dirty="0"/>
-              <a:t>True or False: Due to the difficulty of obtaining a large sample, I decided to perform hypothesis testing at a lower, 90% confidence level. This makes my conclusion relatively prone to making Type I errors. </a:t>
+              <a:t>True or False: An error occurs when you reject the null hypothesis wrongly when random sampling falsely causes an apparently strong signal. If I am using 90% confidence level, on average, this can happen once in every 100 cases. </a:t>
             </a:r>
           </a:p>
           <a:p>
@@ -5505,7 +5484,7 @@
     </p:spTree>
     <p:extLst>
       <p:ext uri="{BB962C8B-B14F-4D97-AF65-F5344CB8AC3E}">
-        <p14:creationId xmlns:p14="http://schemas.microsoft.com/office/powerpoint/2010/main" val="3887704168"/>
+        <p14:creationId xmlns:p14="http://schemas.microsoft.com/office/powerpoint/2010/main" val="3653792849"/>
       </p:ext>
     </p:extLst>
   </p:cSld>
@@ -5595,7 +5574,7 @@
           <a:p>
             <a:r>
               <a:rPr lang="en-US" dirty="0"/>
-              <a:t>True or False: An error occurs when you reject the null hypothesis wrongly when random sampling falsely causes an apparently strong signal. If I am using 90% confidence level, on average, this can happen once in every 100 cases. </a:t>
+              <a:t>True or False: I want to narrow the uncertainty in my laboratory measurement by taking larger number of samples. I need to make two times more measurements in order to reduce the standard error by half. </a:t>
             </a:r>
           </a:p>
           <a:p>
@@ -5623,7 +5602,7 @@
     </p:spTree>
     <p:extLst>
       <p:ext uri="{BB962C8B-B14F-4D97-AF65-F5344CB8AC3E}">
-        <p14:creationId xmlns:p14="http://schemas.microsoft.com/office/powerpoint/2010/main" val="3653792849"/>
+        <p14:creationId xmlns:p14="http://schemas.microsoft.com/office/powerpoint/2010/main" val="3366185837"/>
       </p:ext>
     </p:extLst>
   </p:cSld>
@@ -5713,7 +5692,7 @@
           <a:p>
             <a:r>
               <a:rPr lang="en-US" dirty="0"/>
-              <a:t>True or False: I want to narrow the uncertainty in my laboratory measurement by taking larger number of samples. I need to make two times more measurements in order to reduce the standard error by half. </a:t>
+              <a:t>We want to compare mean January temperature of Atlanta between 1950s and 2000s. The January temperature from 1950 to 1959 has the mean value of 45.4°F with the standard deviation of 4°F. For 2000 to 2009, the mean value is 47.4°F with the standard deviation of 4°F. What would be the null hypothesis? </a:t>
             </a:r>
           </a:p>
           <a:p>
@@ -5723,7 +5702,7 @@
             </a:pPr>
             <a:r>
               <a:rPr lang="en-US" dirty="0"/>
-              <a:t>True</a:t>
+              <a:t>January temperatures of 1950s and 2000s are different </a:t>
             </a:r>
           </a:p>
           <a:p>
@@ -5733,7 +5712,27 @@
             </a:pPr>
             <a:r>
               <a:rPr lang="en-US" dirty="0"/>
-              <a:t>False</a:t>
+              <a:t>January temperature of 1950s is warmer than 2000s </a:t>
+            </a:r>
+          </a:p>
+          <a:p>
+            <a:pPr marL="609585" indent="-609585">
+              <a:buFont typeface="+mj-lt"/>
+              <a:buAutoNum type="alphaUcPeriod"/>
+            </a:pPr>
+            <a:r>
+              <a:rPr lang="en-US" dirty="0"/>
+              <a:t>January temperature of 1950s is cooler than 2000s </a:t>
+            </a:r>
+          </a:p>
+          <a:p>
+            <a:pPr marL="609585" indent="-609585">
+              <a:buFont typeface="+mj-lt"/>
+              <a:buAutoNum type="alphaUcPeriod"/>
+            </a:pPr>
+            <a:r>
+              <a:rPr lang="en-US" dirty="0"/>
+              <a:t>January temperatures of 1950s and 2000s are the same</a:t>
             </a:r>
           </a:p>
         </p:txBody>
@@ -5741,7 +5740,7 @@
     </p:spTree>
     <p:extLst>
       <p:ext uri="{BB962C8B-B14F-4D97-AF65-F5344CB8AC3E}">
-        <p14:creationId xmlns:p14="http://schemas.microsoft.com/office/powerpoint/2010/main" val="3366185837"/>
+        <p14:creationId xmlns:p14="http://schemas.microsoft.com/office/powerpoint/2010/main" val="1521621045"/>
       </p:ext>
     </p:extLst>
   </p:cSld>
@@ -5786,8 +5785,8 @@
         </p:nvSpPr>
         <p:spPr>
           <a:xfrm>
-            <a:off x="1021805" y="365125"/>
-            <a:ext cx="10331995" cy="1325563"/>
+            <a:off x="1045029" y="365125"/>
+            <a:ext cx="10308772" cy="1325563"/>
           </a:xfrm>
         </p:spPr>
         <p:txBody>
@@ -5819,8 +5818,8 @@
         </p:nvSpPr>
         <p:spPr>
           <a:xfrm>
-            <a:off x="1242424" y="1825625"/>
-            <a:ext cx="10230891" cy="4351339"/>
+            <a:off x="1045030" y="1825625"/>
+            <a:ext cx="10428285" cy="4351339"/>
           </a:xfrm>
         </p:spPr>
         <p:txBody>
@@ -5831,47 +5830,63 @@
           <a:p>
             <a:r>
               <a:rPr lang="en-US" dirty="0"/>
-              <a:t>We want to compare mean January temperature of Atlanta between 1950s and 2000s. The January temperature from 1950 to 1959 has the mean value of 45.4°F with the standard deviation of 4°F. For 2000 to 2009, the mean value is 47.4°F with the standard deviation of 4°F. What would be the null hypothesis? </a:t>
-            </a:r>
-          </a:p>
-          <a:p>
-            <a:pPr marL="609585" indent="-609585">
+              <a:t>You are analyzing marine primary productivity data following 10 aerosol dust deposition events. Comparing one week before and after the deposition, on average, the ocean productivity increased by 6 </a:t>
+            </a:r>
+            <a:r>
+              <a:rPr lang="en-US" dirty="0" err="1"/>
+              <a:t>gC</a:t>
+            </a:r>
+            <a:r>
+              <a:rPr lang="en-US" dirty="0"/>
+              <a:t>/m2/day. Standard deviation of productivity is 12 </a:t>
+            </a:r>
+            <a:r>
+              <a:rPr lang="en-US" dirty="0" err="1"/>
+              <a:t>gC</a:t>
+            </a:r>
+            <a:r>
+              <a:rPr lang="en-US" dirty="0"/>
+              <a:t>/m2/day. What is the t-value?</a:t>
+            </a:r>
+          </a:p>
+          <a:p>
+            <a:pPr marL="514350" indent="-514350">
               <a:buFont typeface="+mj-lt"/>
               <a:buAutoNum type="alphaUcPeriod"/>
             </a:pPr>
             <a:r>
               <a:rPr lang="en-US" dirty="0"/>
-              <a:t>January temperatures of 1950s and 2000s are different </a:t>
-            </a:r>
-          </a:p>
-          <a:p>
-            <a:pPr marL="609585" indent="-609585">
+              <a:t>t = 0.6</a:t>
+            </a:r>
+          </a:p>
+          <a:p>
+            <a:pPr marL="514350" indent="-514350">
               <a:buFont typeface="+mj-lt"/>
               <a:buAutoNum type="alphaUcPeriod"/>
             </a:pPr>
             <a:r>
               <a:rPr lang="en-US" dirty="0"/>
-              <a:t>January temperature of 1950s is warmer than 2000s </a:t>
-            </a:r>
-          </a:p>
-          <a:p>
-            <a:pPr marL="609585" indent="-609585">
+              <a:t>t = 0.9</a:t>
+            </a:r>
+          </a:p>
+          <a:p>
+            <a:pPr marL="514350" indent="-514350">
               <a:buFont typeface="+mj-lt"/>
               <a:buAutoNum type="alphaUcPeriod"/>
             </a:pPr>
             <a:r>
               <a:rPr lang="en-US" dirty="0"/>
-              <a:t>January temperature of 1950s is cooler than 2000s </a:t>
-            </a:r>
-          </a:p>
-          <a:p>
-            <a:pPr marL="609585" indent="-609585">
+              <a:t>t = 1.2</a:t>
+            </a:r>
+          </a:p>
+          <a:p>
+            <a:pPr marL="514350" indent="-514350">
               <a:buFont typeface="+mj-lt"/>
               <a:buAutoNum type="alphaUcPeriod"/>
             </a:pPr>
             <a:r>
               <a:rPr lang="en-US" dirty="0"/>
-              <a:t>January temperatures of 1950s and 2000s are the same</a:t>
+              <a:t>t = 1.5</a:t>
             </a:r>
           </a:p>
         </p:txBody>
@@ -5879,7 +5894,7 @@
     </p:spTree>
     <p:extLst>
       <p:ext uri="{BB962C8B-B14F-4D97-AF65-F5344CB8AC3E}">
-        <p14:creationId xmlns:p14="http://schemas.microsoft.com/office/powerpoint/2010/main" val="1521621045"/>
+        <p14:creationId xmlns:p14="http://schemas.microsoft.com/office/powerpoint/2010/main" val="911632110"/>
       </p:ext>
     </p:extLst>
   </p:cSld>
@@ -5924,160 +5939,6 @@
         </p:nvSpPr>
         <p:spPr>
           <a:xfrm>
-            <a:off x="1045029" y="365125"/>
-            <a:ext cx="10308772" cy="1325563"/>
-          </a:xfrm>
-        </p:spPr>
-        <p:txBody>
-          <a:bodyPr/>
-          <a:lstStyle/>
-          <a:p>
-            <a:r>
-              <a:rPr lang="en-US" dirty="0"/>
-              <a:t>Quiz 13</a:t>
-            </a:r>
-          </a:p>
-        </p:txBody>
-      </p:sp>
-      <p:sp>
-        <p:nvSpPr>
-          <p:cNvPr id="3" name="Content Placeholder 2">
-            <a:extLst>
-              <a:ext uri="{FF2B5EF4-FFF2-40B4-BE49-F238E27FC236}">
-                <a16:creationId xmlns:a16="http://schemas.microsoft.com/office/drawing/2014/main" id="{10AE21FF-9A8D-BD49-9042-42DCE558C12C}"/>
-              </a:ext>
-            </a:extLst>
-          </p:cNvPr>
-          <p:cNvSpPr>
-            <a:spLocks noGrp="1"/>
-          </p:cNvSpPr>
-          <p:nvPr>
-            <p:ph idx="1"/>
-          </p:nvPr>
-        </p:nvSpPr>
-        <p:spPr>
-          <a:xfrm>
-            <a:off x="1045030" y="1825625"/>
-            <a:ext cx="10428285" cy="4351339"/>
-          </a:xfrm>
-        </p:spPr>
-        <p:txBody>
-          <a:bodyPr>
-            <a:normAutofit/>
-          </a:bodyPr>
-          <a:lstStyle/>
-          <a:p>
-            <a:r>
-              <a:rPr lang="en-US" dirty="0"/>
-              <a:t>You are analyzing marine primary productivity data following 10 aerosol dust deposition events. Comparing one week before and after the deposition, on average, the ocean productivity increased by 6 </a:t>
-            </a:r>
-            <a:r>
-              <a:rPr lang="en-US" dirty="0" err="1"/>
-              <a:t>gC</a:t>
-            </a:r>
-            <a:r>
-              <a:rPr lang="en-US" dirty="0"/>
-              <a:t>/m2/day. Standard deviation of productivity is 12 </a:t>
-            </a:r>
-            <a:r>
-              <a:rPr lang="en-US" dirty="0" err="1"/>
-              <a:t>gC</a:t>
-            </a:r>
-            <a:r>
-              <a:rPr lang="en-US" dirty="0"/>
-              <a:t>/m2/day. What is the t-value?</a:t>
-            </a:r>
-          </a:p>
-          <a:p>
-            <a:pPr marL="514350" indent="-514350">
-              <a:buFont typeface="+mj-lt"/>
-              <a:buAutoNum type="alphaUcPeriod"/>
-            </a:pPr>
-            <a:r>
-              <a:rPr lang="en-US" dirty="0"/>
-              <a:t>t = 0.6</a:t>
-            </a:r>
-          </a:p>
-          <a:p>
-            <a:pPr marL="514350" indent="-514350">
-              <a:buFont typeface="+mj-lt"/>
-              <a:buAutoNum type="alphaUcPeriod"/>
-            </a:pPr>
-            <a:r>
-              <a:rPr lang="en-US" dirty="0"/>
-              <a:t>t = 0.9</a:t>
-            </a:r>
-          </a:p>
-          <a:p>
-            <a:pPr marL="514350" indent="-514350">
-              <a:buFont typeface="+mj-lt"/>
-              <a:buAutoNum type="alphaUcPeriod"/>
-            </a:pPr>
-            <a:r>
-              <a:rPr lang="en-US" dirty="0"/>
-              <a:t>t = 1.2</a:t>
-            </a:r>
-          </a:p>
-          <a:p>
-            <a:pPr marL="514350" indent="-514350">
-              <a:buFont typeface="+mj-lt"/>
-              <a:buAutoNum type="alphaUcPeriod"/>
-            </a:pPr>
-            <a:r>
-              <a:rPr lang="en-US" dirty="0"/>
-              <a:t>t = 1.5</a:t>
-            </a:r>
-          </a:p>
-        </p:txBody>
-      </p:sp>
-    </p:spTree>
-    <p:extLst>
-      <p:ext uri="{BB962C8B-B14F-4D97-AF65-F5344CB8AC3E}">
-        <p14:creationId xmlns:p14="http://schemas.microsoft.com/office/powerpoint/2010/main" val="911632110"/>
-      </p:ext>
-    </p:extLst>
-  </p:cSld>
-  <p:clrMapOvr>
-    <a:masterClrMapping/>
-  </p:clrMapOvr>
-</p:sld>
-</file>
-
-<file path=ppt/slides/slide19.xml><?xml version="1.0" encoding="utf-8"?>
-<p:sld xmlns:a="http://schemas.openxmlformats.org/drawingml/2006/main" xmlns:r="http://schemas.openxmlformats.org/officeDocument/2006/relationships" xmlns:p="http://schemas.openxmlformats.org/presentationml/2006/main">
-  <p:cSld>
-    <p:spTree>
-      <p:nvGrpSpPr>
-        <p:cNvPr id="1" name=""/>
-        <p:cNvGrpSpPr/>
-        <p:nvPr/>
-      </p:nvGrpSpPr>
-      <p:grpSpPr>
-        <a:xfrm>
-          <a:off x="0" y="0"/>
-          <a:ext cx="0" cy="0"/>
-          <a:chOff x="0" y="0"/>
-          <a:chExt cx="0" cy="0"/>
-        </a:xfrm>
-      </p:grpSpPr>
-      <p:sp>
-        <p:nvSpPr>
-          <p:cNvPr id="2" name="Title 1">
-            <a:extLst>
-              <a:ext uri="{FF2B5EF4-FFF2-40B4-BE49-F238E27FC236}">
-                <a16:creationId xmlns:a16="http://schemas.microsoft.com/office/drawing/2014/main" id="{66965F02-2B1F-BD4C-8DA6-6D17F624B270}"/>
-              </a:ext>
-            </a:extLst>
-          </p:cNvPr>
-          <p:cNvSpPr>
-            <a:spLocks noGrp="1"/>
-          </p:cNvSpPr>
-          <p:nvPr>
-            <p:ph type="title"/>
-          </p:nvPr>
-        </p:nvSpPr>
-        <p:spPr>
-          <a:xfrm>
             <a:off x="1021805" y="365125"/>
             <a:ext cx="10331995" cy="1325563"/>
           </a:xfrm>
@@ -6088,7 +5949,7 @@
           <a:p>
             <a:r>
               <a:rPr lang="en-US" dirty="0"/>
-              <a:t>Quiz 14</a:t>
+              <a:t>Quiz 13</a:t>
             </a:r>
           </a:p>
         </p:txBody>
@@ -6216,6 +6077,152 @@
     <p:extLst>
       <p:ext uri="{BB962C8B-B14F-4D97-AF65-F5344CB8AC3E}">
         <p14:creationId xmlns:p14="http://schemas.microsoft.com/office/powerpoint/2010/main" val="523058862"/>
+      </p:ext>
+    </p:extLst>
+  </p:cSld>
+  <p:clrMapOvr>
+    <a:masterClrMapping/>
+  </p:clrMapOvr>
+</p:sld>
+</file>
+
+<file path=ppt/slides/slide19.xml><?xml version="1.0" encoding="utf-8"?>
+<p:sld xmlns:a="http://schemas.openxmlformats.org/drawingml/2006/main" xmlns:r="http://schemas.openxmlformats.org/officeDocument/2006/relationships" xmlns:p="http://schemas.openxmlformats.org/presentationml/2006/main">
+  <p:cSld>
+    <p:spTree>
+      <p:nvGrpSpPr>
+        <p:cNvPr id="1" name=""/>
+        <p:cNvGrpSpPr/>
+        <p:nvPr/>
+      </p:nvGrpSpPr>
+      <p:grpSpPr>
+        <a:xfrm>
+          <a:off x="0" y="0"/>
+          <a:ext cx="0" cy="0"/>
+          <a:chOff x="0" y="0"/>
+          <a:chExt cx="0" cy="0"/>
+        </a:xfrm>
+      </p:grpSpPr>
+      <p:sp>
+        <p:nvSpPr>
+          <p:cNvPr id="2" name="Title 1">
+            <a:extLst>
+              <a:ext uri="{FF2B5EF4-FFF2-40B4-BE49-F238E27FC236}">
+                <a16:creationId xmlns:a16="http://schemas.microsoft.com/office/drawing/2014/main" id="{66965F02-2B1F-BD4C-8DA6-6D17F624B270}"/>
+              </a:ext>
+            </a:extLst>
+          </p:cNvPr>
+          <p:cNvSpPr>
+            <a:spLocks noGrp="1"/>
+          </p:cNvSpPr>
+          <p:nvPr>
+            <p:ph type="title"/>
+          </p:nvPr>
+        </p:nvSpPr>
+        <p:spPr>
+          <a:xfrm>
+            <a:off x="1045029" y="365125"/>
+            <a:ext cx="10308772" cy="1325563"/>
+          </a:xfrm>
+        </p:spPr>
+        <p:txBody>
+          <a:bodyPr/>
+          <a:lstStyle/>
+          <a:p>
+            <a:r>
+              <a:rPr lang="en-US" dirty="0"/>
+              <a:t>Quiz 14</a:t>
+            </a:r>
+          </a:p>
+        </p:txBody>
+      </p:sp>
+      <p:sp>
+        <p:nvSpPr>
+          <p:cNvPr id="3" name="Content Placeholder 2">
+            <a:extLst>
+              <a:ext uri="{FF2B5EF4-FFF2-40B4-BE49-F238E27FC236}">
+                <a16:creationId xmlns:a16="http://schemas.microsoft.com/office/drawing/2014/main" id="{10AE21FF-9A8D-BD49-9042-42DCE558C12C}"/>
+              </a:ext>
+            </a:extLst>
+          </p:cNvPr>
+          <p:cNvSpPr>
+            <a:spLocks noGrp="1"/>
+          </p:cNvSpPr>
+          <p:nvPr>
+            <p:ph idx="1"/>
+          </p:nvPr>
+        </p:nvSpPr>
+        <p:spPr>
+          <a:xfrm>
+            <a:off x="1045030" y="1825625"/>
+            <a:ext cx="10428285" cy="4351339"/>
+          </a:xfrm>
+        </p:spPr>
+        <p:txBody>
+          <a:bodyPr>
+            <a:normAutofit/>
+          </a:bodyPr>
+          <a:lstStyle/>
+          <a:p>
+            <a:r>
+              <a:rPr lang="en-US" dirty="0"/>
+              <a:t>The above t-test was not significant at the stated confidence interval. Assuming that the mean increase of 6 </a:t>
+            </a:r>
+            <a:r>
+              <a:rPr lang="en-US" dirty="0" err="1"/>
+              <a:t>gC</a:t>
+            </a:r>
+            <a:r>
+              <a:rPr lang="en-US" dirty="0"/>
+              <a:t>/m2/day remains the same, how many additional dust events will be required to increase the magnitude of |t| to 1.8?</a:t>
+            </a:r>
+          </a:p>
+          <a:p>
+            <a:pPr marL="514350" indent="-514350">
+              <a:buFont typeface="+mj-lt"/>
+              <a:buAutoNum type="alphaUcPeriod"/>
+            </a:pPr>
+            <a:r>
+              <a:rPr lang="en-US" dirty="0"/>
+              <a:t>4</a:t>
+            </a:r>
+          </a:p>
+          <a:p>
+            <a:pPr marL="514350" indent="-514350">
+              <a:buFont typeface="+mj-lt"/>
+              <a:buAutoNum type="alphaUcPeriod"/>
+            </a:pPr>
+            <a:r>
+              <a:rPr lang="en-US" dirty="0"/>
+              <a:t>7</a:t>
+            </a:r>
+          </a:p>
+          <a:p>
+            <a:pPr marL="514350" indent="-514350">
+              <a:buFont typeface="+mj-lt"/>
+              <a:buAutoNum type="alphaUcPeriod"/>
+            </a:pPr>
+            <a:r>
+              <a:rPr lang="en-US" dirty="0"/>
+              <a:t>16</a:t>
+            </a:r>
+          </a:p>
+          <a:p>
+            <a:pPr marL="514350" indent="-514350">
+              <a:buFont typeface="+mj-lt"/>
+              <a:buAutoNum type="alphaUcPeriod"/>
+            </a:pPr>
+            <a:r>
+              <a:rPr lang="en-US" dirty="0"/>
+              <a:t>30</a:t>
+            </a:r>
+          </a:p>
+        </p:txBody>
+      </p:sp>
+    </p:spTree>
+    <p:extLst>
+      <p:ext uri="{BB962C8B-B14F-4D97-AF65-F5344CB8AC3E}">
+        <p14:creationId xmlns:p14="http://schemas.microsoft.com/office/powerpoint/2010/main" val="4254361677"/>
       </p:ext>
     </p:extLst>
   </p:cSld>
@@ -6472,15 +6479,7 @@
           <a:p>
             <a:r>
               <a:rPr lang="en-US" dirty="0"/>
-              <a:t>The above t-test was not significant at the stated confidence interval. Assuming that the mean increase of 6 </a:t>
-            </a:r>
-            <a:r>
-              <a:rPr lang="en-US" dirty="0" err="1"/>
-              <a:t>gC</a:t>
-            </a:r>
-            <a:r>
-              <a:rPr lang="en-US" dirty="0"/>
-              <a:t>/m2/day remains the same, how many additional dust events will be required to increase the magnitude of |t| to 1.8?</a:t>
+              <a:t>You performed the t-test and concluded that the A and B are not significantly correlated. How did you arrive this conclusion?</a:t>
             </a:r>
           </a:p>
           <a:p>
@@ -6490,7 +6489,7 @@
             </a:pPr>
             <a:r>
               <a:rPr lang="en-US" dirty="0"/>
-              <a:t>4</a:t>
+              <a:t>The average values of A and B are similar. </a:t>
             </a:r>
           </a:p>
           <a:p>
@@ -6500,7 +6499,7 @@
             </a:pPr>
             <a:r>
               <a:rPr lang="en-US" dirty="0"/>
-              <a:t>7</a:t>
+              <a:t>The average values of A and B are significantly different. </a:t>
             </a:r>
           </a:p>
           <a:p>
@@ -6510,7 +6509,7 @@
             </a:pPr>
             <a:r>
               <a:rPr lang="en-US" dirty="0"/>
-              <a:t>16</a:t>
+              <a:t>The effective sample size is large. </a:t>
             </a:r>
           </a:p>
           <a:p>
@@ -6520,7 +6519,7 @@
             </a:pPr>
             <a:r>
               <a:rPr lang="en-US" dirty="0"/>
-              <a:t>30</a:t>
+              <a:t>The t value of the correlation did not exceed the critical value at the chosen confidence level.</a:t>
             </a:r>
           </a:p>
         </p:txBody>
@@ -6528,7 +6527,7 @@
     </p:spTree>
     <p:extLst>
       <p:ext uri="{BB962C8B-B14F-4D97-AF65-F5344CB8AC3E}">
-        <p14:creationId xmlns:p14="http://schemas.microsoft.com/office/powerpoint/2010/main" val="4254361677"/>
+        <p14:creationId xmlns:p14="http://schemas.microsoft.com/office/powerpoint/2010/main" val="4048894250"/>
       </p:ext>
     </p:extLst>
   </p:cSld>
@@ -6618,7 +6617,7 @@
           <a:p>
             <a:r>
               <a:rPr lang="en-US" dirty="0"/>
-              <a:t>You performed the t-test and concluded that the A and B are not significantly correlated. How did you arrive this conclusion?</a:t>
+              <a:t>You calculated the correlation coefficient between El-Nino Southern Oscillation and the December sea surface temperature over the Subtropical North Pacific Ocean for the last 66 years. The correlation coefficient was -0.6. What is the 95% confidence interval of the true correlation?</a:t>
             </a:r>
           </a:p>
           <a:p>
@@ -6628,7 +6627,7 @@
             </a:pPr>
             <a:r>
               <a:rPr lang="en-US" dirty="0"/>
-              <a:t>The average values of A and B are similar. </a:t>
+              <a:t>-0.9 &lt; r &lt; -0.3 </a:t>
             </a:r>
           </a:p>
           <a:p>
@@ -6638,7 +6637,7 @@
             </a:pPr>
             <a:r>
               <a:rPr lang="en-US" dirty="0"/>
-              <a:t>The average values of A and B are significantly different. </a:t>
+              <a:t>-0.8 &lt; r &lt; -0.4 </a:t>
             </a:r>
           </a:p>
           <a:p>
@@ -6648,7 +6647,7 @@
             </a:pPr>
             <a:r>
               <a:rPr lang="en-US" dirty="0"/>
-              <a:t>The effective sample size is large. </a:t>
+              <a:t>-0.7 &lt; r &lt; -0.5</a:t>
             </a:r>
           </a:p>
           <a:p>
@@ -6658,7 +6657,7 @@
             </a:pPr>
             <a:r>
               <a:rPr lang="en-US" dirty="0"/>
-              <a:t>The t value of the correlation did not exceed the critical value at the chosen confidence level.</a:t>
+              <a:t>-0.65 &lt; r &lt;-0.55</a:t>
             </a:r>
           </a:p>
         </p:txBody>
@@ -6666,7 +6665,7 @@
     </p:spTree>
     <p:extLst>
       <p:ext uri="{BB962C8B-B14F-4D97-AF65-F5344CB8AC3E}">
-        <p14:creationId xmlns:p14="http://schemas.microsoft.com/office/powerpoint/2010/main" val="4048894250"/>
+        <p14:creationId xmlns:p14="http://schemas.microsoft.com/office/powerpoint/2010/main" val="220221895"/>
       </p:ext>
     </p:extLst>
   </p:cSld>
@@ -6756,8 +6755,11 @@
           <a:p>
             <a:r>
               <a:rPr lang="en-US" dirty="0"/>
-              <a:t>You calculated the correlation coefficient between El-Nino Southern Oscillation and the December sea surface temperature over the Subtropical North Pacific Ocean for the last 66 years. The correlation coefficient was -0.6. What is the 95% confidence interval of the true correlation?</a:t>
-            </a:r>
+              <a:t>Consider the dataset X = [12, 5, 64, 0, 47, 88, 19, 37, 22, 63, 72]. What is the median?</a:t>
+            </a:r>
+          </a:p>
+          <a:p>
+            <a:endParaRPr lang="en-US" dirty="0"/>
           </a:p>
           <a:p>
             <a:pPr marL="514350" indent="-514350">
@@ -6766,7 +6768,7 @@
             </a:pPr>
             <a:r>
               <a:rPr lang="en-US" dirty="0"/>
-              <a:t>-0.9 &lt; r &lt; -0.3 </a:t>
+              <a:t>37</a:t>
             </a:r>
           </a:p>
           <a:p>
@@ -6776,7 +6778,7 @@
             </a:pPr>
             <a:r>
               <a:rPr lang="en-US" dirty="0"/>
-              <a:t>-0.8 &lt; r &lt; -0.4 </a:t>
+              <a:t>22</a:t>
             </a:r>
           </a:p>
           <a:p>
@@ -6786,7 +6788,7 @@
             </a:pPr>
             <a:r>
               <a:rPr lang="en-US" dirty="0"/>
-              <a:t>-0.7 &lt; r &lt; -0.5</a:t>
+              <a:t>42</a:t>
             </a:r>
           </a:p>
           <a:p>
@@ -6796,7 +6798,7 @@
             </a:pPr>
             <a:r>
               <a:rPr lang="en-US" dirty="0"/>
-              <a:t>-0.65 &lt; r &lt;-0.55</a:t>
+              <a:t>47</a:t>
             </a:r>
           </a:p>
         </p:txBody>
@@ -6804,7 +6806,7 @@
     </p:spTree>
     <p:extLst>
       <p:ext uri="{BB962C8B-B14F-4D97-AF65-F5344CB8AC3E}">
-        <p14:creationId xmlns:p14="http://schemas.microsoft.com/office/powerpoint/2010/main" val="220221895"/>
+        <p14:creationId xmlns:p14="http://schemas.microsoft.com/office/powerpoint/2010/main" val="3710750425"/>
       </p:ext>
     </p:extLst>
   </p:cSld>
@@ -6893,12 +6895,20 @@
           <a:lstStyle/>
           <a:p>
             <a:r>
-              <a:rPr lang="en-US" dirty="0"/>
-              <a:t>Consider the dataset X = [12, 5, 64, 0, 47, 88, 19, 37, 22, 63, 72]. What is the median?</a:t>
-            </a:r>
-          </a:p>
-          <a:p>
-            <a:endParaRPr lang="en-US" dirty="0"/>
+              <a:rPr lang="en-US" b="0" i="0" dirty="0">
+                <a:solidFill>
+                  <a:srgbClr val="2D3B45"/>
+                </a:solidFill>
+                <a:effectLst/>
+                <a:latin typeface="Calibri" panose="020F0502020204030204" pitchFamily="34" charset="0"/>
+                <a:cs typeface="Calibri" panose="020F0502020204030204" pitchFamily="34" charset="0"/>
+              </a:rPr>
+              <a:t>You have collected a dataset and want to visualize its statistical distribution. What would be the appropriate plot to make?</a:t>
+            </a:r>
+            <a:endParaRPr lang="en-US" dirty="0">
+              <a:latin typeface="Calibri" panose="020F0502020204030204" pitchFamily="34" charset="0"/>
+              <a:cs typeface="Calibri" panose="020F0502020204030204" pitchFamily="34" charset="0"/>
+            </a:endParaRPr>
           </a:p>
           <a:p>
             <a:pPr marL="514350" indent="-514350">
@@ -6907,7 +6917,7 @@
             </a:pPr>
             <a:r>
               <a:rPr lang="en-US" dirty="0"/>
-              <a:t>37</a:t>
+              <a:t>Histogram</a:t>
             </a:r>
           </a:p>
           <a:p>
@@ -6917,7 +6927,7 @@
             </a:pPr>
             <a:r>
               <a:rPr lang="en-US" dirty="0"/>
-              <a:t>22</a:t>
+              <a:t>Scatter diagram</a:t>
             </a:r>
           </a:p>
           <a:p>
@@ -6927,7 +6937,7 @@
             </a:pPr>
             <a:r>
               <a:rPr lang="en-US" dirty="0"/>
-              <a:t>42</a:t>
+              <a:t>Least square fit</a:t>
             </a:r>
           </a:p>
           <a:p>
@@ -6937,7 +6947,7 @@
             </a:pPr>
             <a:r>
               <a:rPr lang="en-US" dirty="0"/>
-              <a:t>47</a:t>
+              <a:t>Bar chart</a:t>
             </a:r>
           </a:p>
         </p:txBody>
@@ -6945,7 +6955,7 @@
     </p:spTree>
     <p:extLst>
       <p:ext uri="{BB962C8B-B14F-4D97-AF65-F5344CB8AC3E}">
-        <p14:creationId xmlns:p14="http://schemas.microsoft.com/office/powerpoint/2010/main" val="3710750425"/>
+        <p14:creationId xmlns:p14="http://schemas.microsoft.com/office/powerpoint/2010/main" val="641545303"/>
       </p:ext>
     </p:extLst>
   </p:cSld>
@@ -7001,155 +7011,6 @@
             <a:r>
               <a:rPr lang="en-US" dirty="0"/>
               <a:t>Quiz 19</a:t>
-            </a:r>
-          </a:p>
-        </p:txBody>
-      </p:sp>
-      <p:sp>
-        <p:nvSpPr>
-          <p:cNvPr id="3" name="Content Placeholder 2">
-            <a:extLst>
-              <a:ext uri="{FF2B5EF4-FFF2-40B4-BE49-F238E27FC236}">
-                <a16:creationId xmlns:a16="http://schemas.microsoft.com/office/drawing/2014/main" id="{10AE21FF-9A8D-BD49-9042-42DCE558C12C}"/>
-              </a:ext>
-            </a:extLst>
-          </p:cNvPr>
-          <p:cNvSpPr>
-            <a:spLocks noGrp="1"/>
-          </p:cNvSpPr>
-          <p:nvPr>
-            <p:ph idx="1"/>
-          </p:nvPr>
-        </p:nvSpPr>
-        <p:spPr>
-          <a:xfrm>
-            <a:off x="1045030" y="1825625"/>
-            <a:ext cx="10428285" cy="4351339"/>
-          </a:xfrm>
-        </p:spPr>
-        <p:txBody>
-          <a:bodyPr>
-            <a:normAutofit/>
-          </a:bodyPr>
-          <a:lstStyle/>
-          <a:p>
-            <a:r>
-              <a:rPr lang="en-US" b="0" i="0" dirty="0">
-                <a:solidFill>
-                  <a:srgbClr val="2D3B45"/>
-                </a:solidFill>
-                <a:effectLst/>
-                <a:latin typeface="Calibri" panose="020F0502020204030204" pitchFamily="34" charset="0"/>
-                <a:cs typeface="Calibri" panose="020F0502020204030204" pitchFamily="34" charset="0"/>
-              </a:rPr>
-              <a:t>You have collected a dataset and want to visualize its statistical distribution. What would be the appropriate plot to make?</a:t>
-            </a:r>
-            <a:endParaRPr lang="en-US" dirty="0">
-              <a:latin typeface="Calibri" panose="020F0502020204030204" pitchFamily="34" charset="0"/>
-              <a:cs typeface="Calibri" panose="020F0502020204030204" pitchFamily="34" charset="0"/>
-            </a:endParaRPr>
-          </a:p>
-          <a:p>
-            <a:pPr marL="514350" indent="-514350">
-              <a:buFont typeface="+mj-lt"/>
-              <a:buAutoNum type="alphaUcPeriod"/>
-            </a:pPr>
-            <a:r>
-              <a:rPr lang="en-US" dirty="0"/>
-              <a:t>Histogram</a:t>
-            </a:r>
-          </a:p>
-          <a:p>
-            <a:pPr marL="514350" indent="-514350">
-              <a:buFont typeface="+mj-lt"/>
-              <a:buAutoNum type="alphaUcPeriod"/>
-            </a:pPr>
-            <a:r>
-              <a:rPr lang="en-US" dirty="0"/>
-              <a:t>Scatter diagram</a:t>
-            </a:r>
-          </a:p>
-          <a:p>
-            <a:pPr marL="514350" indent="-514350">
-              <a:buFont typeface="+mj-lt"/>
-              <a:buAutoNum type="alphaUcPeriod"/>
-            </a:pPr>
-            <a:r>
-              <a:rPr lang="en-US" dirty="0"/>
-              <a:t>Least square fit</a:t>
-            </a:r>
-          </a:p>
-          <a:p>
-            <a:pPr marL="514350" indent="-514350">
-              <a:buFont typeface="+mj-lt"/>
-              <a:buAutoNum type="alphaUcPeriod"/>
-            </a:pPr>
-            <a:r>
-              <a:rPr lang="en-US" dirty="0"/>
-              <a:t>Bar chart</a:t>
-            </a:r>
-          </a:p>
-        </p:txBody>
-      </p:sp>
-    </p:spTree>
-    <p:extLst>
-      <p:ext uri="{BB962C8B-B14F-4D97-AF65-F5344CB8AC3E}">
-        <p14:creationId xmlns:p14="http://schemas.microsoft.com/office/powerpoint/2010/main" val="641545303"/>
-      </p:ext>
-    </p:extLst>
-  </p:cSld>
-  <p:clrMapOvr>
-    <a:masterClrMapping/>
-  </p:clrMapOvr>
-</p:sld>
-</file>
-
-<file path=ppt/slides/slide25.xml><?xml version="1.0" encoding="utf-8"?>
-<p:sld xmlns:a="http://schemas.openxmlformats.org/drawingml/2006/main" xmlns:r="http://schemas.openxmlformats.org/officeDocument/2006/relationships" xmlns:p="http://schemas.openxmlformats.org/presentationml/2006/main">
-  <p:cSld>
-    <p:spTree>
-      <p:nvGrpSpPr>
-        <p:cNvPr id="1" name=""/>
-        <p:cNvGrpSpPr/>
-        <p:nvPr/>
-      </p:nvGrpSpPr>
-      <p:grpSpPr>
-        <a:xfrm>
-          <a:off x="0" y="0"/>
-          <a:ext cx="0" cy="0"/>
-          <a:chOff x="0" y="0"/>
-          <a:chExt cx="0" cy="0"/>
-        </a:xfrm>
-      </p:grpSpPr>
-      <p:sp>
-        <p:nvSpPr>
-          <p:cNvPr id="2" name="Title 1">
-            <a:extLst>
-              <a:ext uri="{FF2B5EF4-FFF2-40B4-BE49-F238E27FC236}">
-                <a16:creationId xmlns:a16="http://schemas.microsoft.com/office/drawing/2014/main" id="{66965F02-2B1F-BD4C-8DA6-6D17F624B270}"/>
-              </a:ext>
-            </a:extLst>
-          </p:cNvPr>
-          <p:cNvSpPr>
-            <a:spLocks noGrp="1"/>
-          </p:cNvSpPr>
-          <p:nvPr>
-            <p:ph type="title"/>
-          </p:nvPr>
-        </p:nvSpPr>
-        <p:spPr>
-          <a:xfrm>
-            <a:off x="1045029" y="365125"/>
-            <a:ext cx="10308772" cy="1325563"/>
-          </a:xfrm>
-        </p:spPr>
-        <p:txBody>
-          <a:bodyPr/>
-          <a:lstStyle/>
-          <a:p>
-            <a:r>
-              <a:rPr lang="en-US" dirty="0"/>
-              <a:t>Quiz 20</a:t>
             </a:r>
           </a:p>
         </p:txBody>
@@ -8769,36 +8630,12 @@
               <a:buAutoNum type="alphaUcPeriod"/>
             </a:pPr>
             <a:r>
-              <a:rPr lang="en-US">
-                <a:effectLst/>
-                <a:latin typeface="Calibri" panose="020F0502020204030204" pitchFamily="34" charset="0"/>
-                <a:cs typeface="Calibri" panose="020F0502020204030204" pitchFamily="34" charset="0"/>
-              </a:rPr>
-              <a:t>The samples </a:t>
-            </a:r>
-            <a:r>
               <a:rPr lang="en-US" dirty="0">
                 <a:effectLst/>
                 <a:latin typeface="Calibri" panose="020F0502020204030204" pitchFamily="34" charset="0"/>
                 <a:cs typeface="Calibri" panose="020F0502020204030204" pitchFamily="34" charset="0"/>
               </a:rPr>
-              <a:t>of the </a:t>
-            </a:r>
-            <a:r>
-              <a:rPr lang="en-US">
-                <a:effectLst/>
-                <a:latin typeface="Calibri" panose="020F0502020204030204" pitchFamily="34" charset="0"/>
-                <a:cs typeface="Calibri" panose="020F0502020204030204" pitchFamily="34" charset="0"/>
-              </a:rPr>
-              <a:t>dataset form </a:t>
-            </a:r>
-            <a:r>
-              <a:rPr lang="en-US" dirty="0">
-                <a:effectLst/>
-                <a:latin typeface="Calibri" panose="020F0502020204030204" pitchFamily="34" charset="0"/>
-                <a:cs typeface="Calibri" panose="020F0502020204030204" pitchFamily="34" charset="0"/>
-              </a:rPr>
-              <a:t>a Gaussian distribution.</a:t>
+              <a:t>The samples of the dataset form a Gaussian distribution.</a:t>
             </a:r>
           </a:p>
           <a:p>
@@ -8916,7 +8753,7 @@
           <a:p>
             <a:r>
               <a:rPr lang="en-US" dirty="0"/>
-              <a:t>The Central Limit Theorem states that the average of random samples will produce a Gaussian distribution. The mean of samples derived from 100 measurements is found to be 10 with a sample standard deviation of 1.0. What is the 95% confidence interval of the true population mean?</a:t>
+              <a:t>The Central Limit Theorem states that the average of random samples will produce a Gaussian distribution. The mean of samples derived from 101 measurements is found to be 10 with a sample standard deviation of 1.0. What is the 95% confidence interval of the true population mean?</a:t>
             </a:r>
           </a:p>
           <a:p>
